--- a/dev/OAGojira.pptx
+++ b/dev/OAGojira.pptx
@@ -198,7 +198,8 @@
           <a:p>
             <a:fld id="{76AA4645-B60D-4854-A400-4155D8CB3C72}" type="datetimeFigureOut">
               <a:rPr lang="zh-CN" altLang="en-US" smtClean="0"/>
-              <a:t>2017/11/7</a:t>
+              <a:pPr/>
+              <a:t>2017/11/8</a:t>
             </a:fld>
             <a:endParaRPr lang="zh-CN" altLang="en-US"/>
           </a:p>
@@ -359,6 +360,7 @@
           <a:p>
             <a:fld id="{B22CC1AC-4652-4B98-91CA-8764A9B80EC4}" type="slidenum">
               <a:rPr lang="zh-CN" altLang="en-US" smtClean="0"/>
+              <a:pPr/>
               <a:t>‹#›</a:t>
             </a:fld>
             <a:endParaRPr lang="zh-CN" altLang="en-US"/>
@@ -530,6 +532,7 @@
           <a:p>
             <a:fld id="{B22CC1AC-4652-4B98-91CA-8764A9B80EC4}" type="slidenum">
               <a:rPr lang="zh-CN" altLang="en-US" smtClean="0"/>
+              <a:pPr/>
               <a:t>1</a:t>
             </a:fld>
             <a:endParaRPr lang="zh-CN" altLang="en-US"/>
@@ -1169,7 +1172,8 @@
           <a:p>
             <a:fld id="{391A5C7E-4045-4900-AC34-C0138080B42C}" type="datetimeFigureOut">
               <a:rPr lang="zh-CN" altLang="en-US" smtClean="0"/>
-              <a:t>2017/11/7</a:t>
+              <a:pPr/>
+              <a:t>2017/11/8</a:t>
             </a:fld>
             <a:endParaRPr lang="zh-CN" altLang="en-US"/>
           </a:p>
@@ -1231,6 +1235,7 @@
           <a:p>
             <a:fld id="{A88DAADD-5A16-45C0-B134-DED03C4D447B}" type="slidenum">
               <a:rPr lang="zh-CN" altLang="en-US" smtClean="0"/>
+              <a:pPr/>
               <a:t>‹#›</a:t>
             </a:fld>
             <a:endParaRPr lang="zh-CN" altLang="en-US"/>
@@ -1365,7 +1370,8 @@
           <a:p>
             <a:fld id="{391A5C7E-4045-4900-AC34-C0138080B42C}" type="datetimeFigureOut">
               <a:rPr lang="zh-CN" altLang="en-US" smtClean="0"/>
-              <a:t>2017/11/7</a:t>
+              <a:pPr/>
+              <a:t>2017/11/8</a:t>
             </a:fld>
             <a:endParaRPr lang="zh-CN" altLang="en-US"/>
           </a:p>
@@ -1411,6 +1417,7 @@
           <a:p>
             <a:fld id="{A88DAADD-5A16-45C0-B134-DED03C4D447B}" type="slidenum">
               <a:rPr lang="zh-CN" altLang="en-US" smtClean="0"/>
+              <a:pPr/>
               <a:t>‹#›</a:t>
             </a:fld>
             <a:endParaRPr lang="zh-CN" altLang="en-US"/>
@@ -1550,7 +1557,8 @@
           <a:p>
             <a:fld id="{391A5C7E-4045-4900-AC34-C0138080B42C}" type="datetimeFigureOut">
               <a:rPr lang="zh-CN" altLang="en-US" smtClean="0"/>
-              <a:t>2017/11/7</a:t>
+              <a:pPr/>
+              <a:t>2017/11/8</a:t>
             </a:fld>
             <a:endParaRPr lang="zh-CN" altLang="en-US"/>
           </a:p>
@@ -1596,6 +1604,7 @@
           <a:p>
             <a:fld id="{A88DAADD-5A16-45C0-B134-DED03C4D447B}" type="slidenum">
               <a:rPr lang="zh-CN" altLang="en-US" smtClean="0"/>
+              <a:pPr/>
               <a:t>‹#›</a:t>
             </a:fld>
             <a:endParaRPr lang="zh-CN" altLang="en-US"/>
@@ -1700,7 +1709,8 @@
           <a:p>
             <a:fld id="{391A5C7E-4045-4900-AC34-C0138080B42C}" type="datetimeFigureOut">
               <a:rPr lang="zh-CN" altLang="en-US" smtClean="0"/>
-              <a:t>2017/11/7</a:t>
+              <a:pPr/>
+              <a:t>2017/11/8</a:t>
             </a:fld>
             <a:endParaRPr lang="zh-CN" altLang="en-US"/>
           </a:p>
@@ -1746,6 +1756,7 @@
           <a:p>
             <a:fld id="{A88DAADD-5A16-45C0-B134-DED03C4D447B}" type="slidenum">
               <a:rPr lang="zh-CN" altLang="en-US" smtClean="0"/>
+              <a:pPr/>
               <a:t>‹#›</a:t>
             </a:fld>
             <a:endParaRPr lang="zh-CN" altLang="en-US"/>
@@ -1955,7 +1966,8 @@
           <a:p>
             <a:fld id="{391A5C7E-4045-4900-AC34-C0138080B42C}" type="datetimeFigureOut">
               <a:rPr lang="zh-CN" altLang="en-US" smtClean="0"/>
-              <a:t>2017/11/7</a:t>
+              <a:pPr/>
+              <a:t>2017/11/8</a:t>
             </a:fld>
             <a:endParaRPr lang="zh-CN" altLang="en-US"/>
           </a:p>
@@ -2001,6 +2013,7 @@
           <a:p>
             <a:fld id="{A88DAADD-5A16-45C0-B134-DED03C4D447B}" type="slidenum">
               <a:rPr lang="zh-CN" altLang="en-US" smtClean="0"/>
+              <a:pPr/>
               <a:t>‹#›</a:t>
             </a:fld>
             <a:endParaRPr lang="zh-CN" altLang="en-US"/>
@@ -2364,7 +2377,8 @@
           <a:p>
             <a:fld id="{391A5C7E-4045-4900-AC34-C0138080B42C}" type="datetimeFigureOut">
               <a:rPr lang="zh-CN" altLang="en-US" smtClean="0"/>
-              <a:t>2017/11/7</a:t>
+              <a:pPr/>
+              <a:t>2017/11/8</a:t>
             </a:fld>
             <a:endParaRPr lang="zh-CN" altLang="en-US"/>
           </a:p>
@@ -2410,6 +2424,7 @@
           <a:p>
             <a:fld id="{A88DAADD-5A16-45C0-B134-DED03C4D447B}" type="slidenum">
               <a:rPr lang="zh-CN" altLang="en-US" smtClean="0"/>
+              <a:pPr/>
               <a:t>‹#›</a:t>
             </a:fld>
             <a:endParaRPr lang="zh-CN" altLang="en-US"/>
@@ -2810,7 +2825,8 @@
           <a:p>
             <a:fld id="{391A5C7E-4045-4900-AC34-C0138080B42C}" type="datetimeFigureOut">
               <a:rPr lang="zh-CN" altLang="en-US" smtClean="0"/>
-              <a:t>2017/11/7</a:t>
+              <a:pPr/>
+              <a:t>2017/11/8</a:t>
             </a:fld>
             <a:endParaRPr lang="zh-CN" altLang="en-US"/>
           </a:p>
@@ -2856,6 +2872,7 @@
           <a:p>
             <a:fld id="{A88DAADD-5A16-45C0-B134-DED03C4D447B}" type="slidenum">
               <a:rPr lang="zh-CN" altLang="en-US" smtClean="0"/>
+              <a:pPr/>
               <a:t>‹#›</a:t>
             </a:fld>
             <a:endParaRPr lang="zh-CN" altLang="en-US"/>
@@ -2911,7 +2928,8 @@
           <a:p>
             <a:fld id="{391A5C7E-4045-4900-AC34-C0138080B42C}" type="datetimeFigureOut">
               <a:rPr lang="zh-CN" altLang="en-US" smtClean="0"/>
-              <a:t>2017/11/7</a:t>
+              <a:pPr/>
+              <a:t>2017/11/8</a:t>
             </a:fld>
             <a:endParaRPr lang="zh-CN" altLang="en-US"/>
           </a:p>
@@ -2957,6 +2975,7 @@
           <a:p>
             <a:fld id="{A88DAADD-5A16-45C0-B134-DED03C4D447B}" type="slidenum">
               <a:rPr lang="zh-CN" altLang="en-US" smtClean="0"/>
+              <a:pPr/>
               <a:t>‹#›</a:t>
             </a:fld>
             <a:endParaRPr lang="zh-CN" altLang="en-US"/>
@@ -3032,7 +3051,8 @@
           <a:p>
             <a:fld id="{391A5C7E-4045-4900-AC34-C0138080B42C}" type="datetimeFigureOut">
               <a:rPr lang="zh-CN" altLang="en-US" smtClean="0"/>
-              <a:t>2017/11/7</a:t>
+              <a:pPr/>
+              <a:t>2017/11/8</a:t>
             </a:fld>
             <a:endParaRPr lang="zh-CN" altLang="en-US"/>
           </a:p>
@@ -3078,6 +3098,7 @@
           <a:p>
             <a:fld id="{A88DAADD-5A16-45C0-B134-DED03C4D447B}" type="slidenum">
               <a:rPr lang="zh-CN" altLang="en-US" smtClean="0"/>
+              <a:pPr/>
               <a:t>‹#›</a:t>
             </a:fld>
             <a:endParaRPr lang="zh-CN" altLang="en-US"/>
@@ -3306,7 +3327,8 @@
           <a:p>
             <a:fld id="{391A5C7E-4045-4900-AC34-C0138080B42C}" type="datetimeFigureOut">
               <a:rPr lang="zh-CN" altLang="en-US" smtClean="0"/>
-              <a:t>2017/11/7</a:t>
+              <a:pPr/>
+              <a:t>2017/11/8</a:t>
             </a:fld>
             <a:endParaRPr lang="zh-CN" altLang="en-US"/>
           </a:p>
@@ -3352,6 +3374,7 @@
           <a:p>
             <a:fld id="{A88DAADD-5A16-45C0-B134-DED03C4D447B}" type="slidenum">
               <a:rPr lang="zh-CN" altLang="en-US" smtClean="0"/>
+              <a:pPr/>
               <a:t>‹#›</a:t>
             </a:fld>
             <a:endParaRPr lang="zh-CN" altLang="en-US"/>
@@ -3511,7 +3534,8 @@
           <a:p>
             <a:fld id="{391A5C7E-4045-4900-AC34-C0138080B42C}" type="datetimeFigureOut">
               <a:rPr lang="zh-CN" altLang="en-US" smtClean="0"/>
-              <a:t>2017/11/7</a:t>
+              <a:pPr/>
+              <a:t>2017/11/8</a:t>
             </a:fld>
             <a:endParaRPr lang="zh-CN" altLang="en-US"/>
           </a:p>
@@ -3576,6 +3600,7 @@
           <a:p>
             <a:fld id="{A88DAADD-5A16-45C0-B134-DED03C4D447B}" type="slidenum">
               <a:rPr lang="zh-CN" altLang="en-US" smtClean="0"/>
+              <a:pPr/>
               <a:t>‹#›</a:t>
             </a:fld>
             <a:endParaRPr lang="zh-CN" altLang="en-US"/>
@@ -4620,7 +4645,8 @@
           <a:p>
             <a:fld id="{391A5C7E-4045-4900-AC34-C0138080B42C}" type="datetimeFigureOut">
               <a:rPr lang="zh-CN" altLang="en-US" smtClean="0"/>
-              <a:t>2017/11/7</a:t>
+              <a:pPr/>
+              <a:t>2017/11/8</a:t>
             </a:fld>
             <a:endParaRPr lang="zh-CN" altLang="en-US"/>
           </a:p>
@@ -4696,6 +4722,7 @@
           <a:p>
             <a:fld id="{A88DAADD-5A16-45C0-B134-DED03C4D447B}" type="slidenum">
               <a:rPr lang="zh-CN" altLang="en-US" smtClean="0"/>
+              <a:pPr/>
               <a:t>‹#›</a:t>
             </a:fld>
             <a:endParaRPr lang="zh-CN" altLang="en-US"/>
@@ -5092,7 +5119,7 @@
                   </a:outerShdw>
                 </a:effectLst>
               </a:rPr>
-              <a:t>智能家居集成服务系统</a:t>
+              <a:t>智能家居集成服务中心</a:t>
             </a:r>
             <a:endParaRPr lang="zh-CN" altLang="en-US" dirty="0">
               <a:effectLst>
@@ -5433,22 +5460,14 @@
           <a:p>
             <a:r>
               <a:rPr lang="zh-CN" altLang="en-US" sz="3200" dirty="0" smtClean="0"/>
-              <a:t>科沃</a:t>
-            </a:r>
+              <a:t>科沃斯</a:t>
+            </a:r>
+            <a:endParaRPr lang="en-US" altLang="zh-CN" sz="3200" dirty="0" smtClean="0"/>
+          </a:p>
+          <a:p>
             <a:r>
               <a:rPr lang="zh-CN" altLang="en-US" sz="3200" dirty="0" smtClean="0"/>
-              <a:t>斯</a:t>
-            </a:r>
-            <a:endParaRPr lang="en-US" altLang="zh-CN" sz="3200" dirty="0" smtClean="0"/>
-          </a:p>
-          <a:p>
-            <a:r>
-              <a:rPr lang="zh-CN" altLang="en-US" sz="3200" dirty="0" smtClean="0"/>
-              <a:t>美</a:t>
-            </a:r>
-            <a:r>
-              <a:rPr lang="zh-CN" altLang="en-US" sz="3200" dirty="0" smtClean="0"/>
-              <a:t>的</a:t>
+              <a:t>美的</a:t>
             </a:r>
             <a:endParaRPr lang="en-US" altLang="zh-CN" sz="3200" dirty="0" smtClean="0"/>
           </a:p>
@@ -5663,11 +5682,7 @@
           <a:p>
             <a:r>
               <a:rPr lang="zh-CN" altLang="en-US" dirty="0" smtClean="0"/>
-              <a:t>各种品牌的</a:t>
-            </a:r>
-            <a:r>
-              <a:rPr lang="zh-CN" altLang="en-US" dirty="0" smtClean="0"/>
-              <a:t>智能控制器</a:t>
+              <a:t>各种品牌的智能控制器</a:t>
             </a:r>
             <a:endParaRPr lang="zh-CN" altLang="en-US" dirty="0"/>
           </a:p>
@@ -5711,22 +5726,14 @@
           <a:p>
             <a:r>
               <a:rPr lang="zh-CN" altLang="en-US" sz="3200" dirty="0" smtClean="0"/>
-              <a:t>科沃</a:t>
-            </a:r>
+              <a:t>科沃斯</a:t>
+            </a:r>
+            <a:endParaRPr lang="en-US" altLang="zh-CN" sz="3200" dirty="0" smtClean="0"/>
+          </a:p>
+          <a:p>
             <a:r>
               <a:rPr lang="zh-CN" altLang="en-US" sz="3200" dirty="0" smtClean="0"/>
-              <a:t>斯</a:t>
-            </a:r>
-            <a:endParaRPr lang="en-US" altLang="zh-CN" sz="3200" dirty="0" smtClean="0"/>
-          </a:p>
-          <a:p>
-            <a:r>
-              <a:rPr lang="zh-CN" altLang="en-US" sz="3200" dirty="0" smtClean="0"/>
-              <a:t>美</a:t>
-            </a:r>
-            <a:r>
-              <a:rPr lang="zh-CN" altLang="en-US" sz="3200" dirty="0" smtClean="0"/>
-              <a:t>的</a:t>
+              <a:t>美的</a:t>
             </a:r>
             <a:endParaRPr lang="en-US" altLang="zh-CN" sz="3200" dirty="0" smtClean="0"/>
           </a:p>
@@ -5740,11 +5747,7 @@
           <a:p>
             <a:r>
               <a:rPr lang="zh-CN" altLang="en-US" sz="3200" dirty="0" smtClean="0"/>
-              <a:t>华</a:t>
-            </a:r>
-            <a:r>
-              <a:rPr lang="zh-CN" altLang="en-US" sz="3200" dirty="0" smtClean="0"/>
-              <a:t>为</a:t>
+              <a:t>华为</a:t>
             </a:r>
             <a:endParaRPr lang="en-US" altLang="zh-CN" sz="3200" dirty="0" smtClean="0"/>
           </a:p>
@@ -5802,15 +5805,7 @@
           <a:p>
             <a:r>
               <a:rPr lang="zh-CN" altLang="en-US" dirty="0" smtClean="0"/>
-              <a:t>集成众多</a:t>
-            </a:r>
-            <a:r>
-              <a:rPr lang="zh-CN" altLang="en-US" dirty="0" smtClean="0"/>
-              <a:t>厂商</a:t>
-            </a:r>
-            <a:r>
-              <a:rPr lang="zh-CN" altLang="en-US" dirty="0" smtClean="0"/>
-              <a:t>智能电器控制于一身</a:t>
+              <a:t>集成众多厂商智能电器控制于一身</a:t>
             </a:r>
             <a:endParaRPr lang="zh-CN" altLang="en-US" dirty="0"/>
           </a:p>
@@ -5826,30 +5821,43 @@
             <p:ph type="body" idx="2"/>
           </p:nvPr>
         </p:nvSpPr>
-        <p:spPr/>
+        <p:spPr>
+          <a:xfrm>
+            <a:off x="827584" y="5355102"/>
+            <a:ext cx="7566608" cy="914400"/>
+          </a:xfrm>
+        </p:spPr>
         <p:txBody>
           <a:bodyPr>
-            <a:normAutofit fontScale="92500"/>
+            <a:normAutofit/>
           </a:bodyPr>
           <a:lstStyle/>
           <a:p>
             <a:r>
-              <a:rPr lang="zh-CN" altLang="en-US" sz="3600" dirty="0" smtClean="0"/>
+              <a:rPr lang="zh-CN" altLang="en-US" sz="2800" dirty="0" smtClean="0"/>
               <a:t>就是 </a:t>
             </a:r>
             <a:r>
-              <a:rPr lang="en-US" altLang="zh-CN" sz="3600" dirty="0" err="1" smtClean="0"/>
+              <a:rPr lang="en-US" altLang="zh-CN" sz="2800" dirty="0" err="1" smtClean="0"/>
               <a:t>OAGojira</a:t>
             </a:r>
             <a:r>
-              <a:rPr lang="en-US" altLang="zh-CN" sz="3600" dirty="0" smtClean="0"/>
-              <a:t> </a:t>
-            </a:r>
-            <a:r>
-              <a:rPr lang="zh-CN" altLang="en-US" sz="3600" dirty="0" smtClean="0"/>
-              <a:t>系统</a:t>
-            </a:r>
-            <a:endParaRPr lang="zh-CN" altLang="en-US" sz="3600" dirty="0"/>
+              <a:rPr lang="zh-CN" altLang="en-US" sz="2800" dirty="0" smtClean="0">
+                <a:effectLst>
+                  <a:outerShdw blurRad="38100" dist="38100" dir="2700000" algn="tl">
+                    <a:srgbClr val="000000">
+                      <a:alpha val="43137"/>
+                    </a:srgbClr>
+                  </a:outerShdw>
+                </a:effectLst>
+              </a:rPr>
+              <a:t>服务</a:t>
+            </a:r>
+            <a:r>
+              <a:rPr lang="zh-CN" altLang="en-US" sz="2800" dirty="0" smtClean="0"/>
+              <a:t>中心</a:t>
+            </a:r>
+            <a:endParaRPr lang="zh-CN" altLang="en-US" sz="2800" dirty="0"/>
           </a:p>
         </p:txBody>
       </p:sp>
